--- a/week02/lecture.pptx
+++ b/week02/lecture.pptx
@@ -4113,7 +4113,7 @@
             </a:pPr>
             <a:r>
               <a:rPr/>
-              <a:t>Last year, this was a fairly philosophical question</a:t>
+              <a:t>Until recently, this was a fairly philosophical question</a:t>
             </a:r>
           </a:p>
         </p:txBody>
@@ -4255,7 +4255,7 @@
             </a:pPr>
             <a:r>
               <a:rPr/>
-              <a:t>I am open to other topics, but they must fit the following brief, and be agreed in the Forum.</a:t>
+              <a:t>I am open to other topics, but they must fit the following brief, and you are welcome to check in the Forum.</a:t>
             </a:r>
           </a:p>
           <a:p>
@@ -7257,7 +7257,14 @@
             <a:pPr lvl="0"/>
             <a:r>
               <a:rPr/>
-              <a:t>The week ahead</a:t>
+              <a:t>A tour of the VLE</a:t>
+            </a:r>
+          </a:p>
+          <a:p>
+            <a:pPr lvl="0"/>
+            <a:r>
+              <a:rPr/>
+              <a:t>A quick overview of the 3 Coursework Elements (very brief)</a:t>
             </a:r>
           </a:p>
           <a:p>
